--- a/발표 자료/6.2 Gradient-Based Learning.pptx
+++ b/발표 자료/6.2 Gradient-Based Learning.pptx
@@ -6,10 +6,12 @@
   </p:sldMasterIdLst>
   <p:sldIdLst>
     <p:sldId id="256" r:id="rId2"/>
-    <p:sldId id="323" r:id="rId3"/>
-    <p:sldId id="327" r:id="rId4"/>
-    <p:sldId id="258" r:id="rId5"/>
-    <p:sldId id="295" r:id="rId6"/>
+    <p:sldId id="328" r:id="rId3"/>
+    <p:sldId id="323" r:id="rId4"/>
+    <p:sldId id="327" r:id="rId5"/>
+    <p:sldId id="329" r:id="rId6"/>
+    <p:sldId id="258" r:id="rId7"/>
+    <p:sldId id="295" r:id="rId8"/>
   </p:sldIdLst>
   <p:sldSz cx="12192000" cy="6858000"/>
   <p:notesSz cx="6858000" cy="9144000"/>
@@ -6137,8 +6139,8 @@
         </p:nvSpPr>
         <p:spPr>
           <a:xfrm>
-            <a:off x="4605422" y="667314"/>
-            <a:ext cx="2981151" cy="584775"/>
+            <a:off x="3601738" y="650740"/>
+            <a:ext cx="4988518" cy="584775"/>
           </a:xfrm>
           <a:prstGeom prst="rect">
             <a:avLst/>
@@ -6153,7 +6155,7 @@
           <a:p>
             <a:r>
               <a:rPr lang="en-US" altLang="ko-KR" sz="3200" b="1" dirty="0"/>
-              <a:t>Cost Function</a:t>
+              <a:t>Gradient-Based Learning</a:t>
             </a:r>
           </a:p>
         </p:txBody>
@@ -6176,42 +6178,36 @@
         </p:nvSpPr>
         <p:spPr>
           <a:xfrm>
-            <a:off x="2169218" y="2009926"/>
+            <a:off x="1710711" y="4830538"/>
             <a:ext cx="8770571" cy="980018"/>
           </a:xfrm>
         </p:spPr>
         <p:txBody>
-          <a:bodyPr/>
-          <a:lstStyle/>
-          <a:p>
-            <a:r>
-              <a:rPr lang="ko-KR" altLang="en-US" sz="2400" dirty="0"/>
-              <a:t>모든 </a:t>
-            </a:r>
-            <a:r>
-              <a:rPr lang="en-US" altLang="ko-KR" sz="2400" dirty="0"/>
-              <a:t>data</a:t>
-            </a:r>
-            <a:r>
-              <a:rPr lang="ko-KR" altLang="en-US" sz="2400" dirty="0"/>
-              <a:t> </a:t>
-            </a:r>
-            <a:r>
-              <a:rPr lang="en-US" altLang="ko-KR" sz="2400" dirty="0"/>
-              <a:t>set</a:t>
-            </a:r>
-            <a:r>
-              <a:rPr lang="ko-KR" altLang="en-US" sz="2400" dirty="0"/>
-              <a:t>에 대해서 오차를 계산하는 함수</a:t>
-            </a:r>
-            <a:endParaRPr lang="en-US" altLang="ko-KR" sz="2400" dirty="0"/>
-          </a:p>
-          <a:p>
-            <a:pPr marL="342900" indent="-342900">
-              <a:buFontTx/>
-              <a:buChar char="-"/>
-            </a:pPr>
-            <a:endParaRPr lang="en-US" altLang="ko-KR" sz="2400" dirty="0"/>
+          <a:bodyPr>
+            <a:normAutofit/>
+          </a:bodyPr>
+          <a:lstStyle/>
+          <a:p>
+            <a:r>
+              <a:rPr lang="ko-KR" altLang="en-US" sz="2000" dirty="0" err="1"/>
+              <a:t>뉴럴넷을</a:t>
+            </a:r>
+            <a:r>
+              <a:rPr lang="ko-KR" altLang="en-US" sz="2000" dirty="0"/>
+              <a:t> 학습할 때는 반복적으로 </a:t>
+            </a:r>
+            <a:r>
+              <a:rPr lang="en-US" altLang="ko-KR" sz="2000" dirty="0"/>
+              <a:t>gradient</a:t>
+            </a:r>
+            <a:r>
+              <a:rPr lang="ko-KR" altLang="en-US" sz="2000" dirty="0"/>
+              <a:t>를 이용하여 파라미터를 조금씩 개선하며 학습해 나가야 한다</a:t>
+            </a:r>
+            <a:r>
+              <a:rPr lang="en-US" altLang="ko-KR" sz="2000" dirty="0"/>
+              <a:t>.</a:t>
+            </a:r>
           </a:p>
         </p:txBody>
       </p:sp>
@@ -6229,8 +6225,8 @@
         </p:nvSpPr>
         <p:spPr>
           <a:xfrm>
-            <a:off x="3800539" y="3467947"/>
-            <a:ext cx="3926778" cy="800219"/>
+            <a:off x="2344835" y="1767007"/>
+            <a:ext cx="7670022" cy="1477328"/>
           </a:xfrm>
           <a:prstGeom prst="rect">
             <a:avLst/>
@@ -6248,10 +6244,43 @@
           </a:bodyPr>
           <a:lstStyle/>
           <a:p>
-            <a:r>
-              <a:rPr lang="en-US" altLang="ko-KR" sz="2800" dirty="0"/>
-              <a:t>Object &gt;= Cost &gt;= Loss</a:t>
-            </a:r>
+            <a:pPr algn="ctr"/>
+            <a:r>
+              <a:rPr lang="ko-KR" altLang="en-US" sz="2400" dirty="0" err="1"/>
+              <a:t>뉴럴넷을</a:t>
+            </a:r>
+            <a:r>
+              <a:rPr lang="ko-KR" altLang="en-US" sz="2400" dirty="0"/>
+              <a:t> 설계하고 학습시키는 것</a:t>
+            </a:r>
+            <a:endParaRPr lang="en-US" altLang="ko-KR" sz="2400" dirty="0"/>
+          </a:p>
+          <a:p>
+            <a:pPr algn="ctr"/>
+            <a:r>
+              <a:rPr lang="en-US" altLang="ko-KR" sz="2400" dirty="0"/>
+              <a:t>Vs</a:t>
+            </a:r>
+          </a:p>
+          <a:p>
+            <a:pPr algn="ctr"/>
+            <a:r>
+              <a:rPr lang="en-US" altLang="ko-KR" sz="2400" dirty="0"/>
+              <a:t>Gradient descent</a:t>
+            </a:r>
+            <a:r>
+              <a:rPr lang="ko-KR" altLang="en-US" sz="2400" dirty="0"/>
+              <a:t>를 사용한 다른 </a:t>
+            </a:r>
+            <a:r>
+              <a:rPr lang="ko-KR" altLang="en-US" sz="2400" dirty="0" err="1"/>
+              <a:t>머신러닝</a:t>
+            </a:r>
+            <a:r>
+              <a:rPr lang="ko-KR" altLang="en-US" sz="2400" dirty="0"/>
+              <a:t> 모델</a:t>
+            </a:r>
+            <a:endParaRPr lang="en-US" altLang="ko-KR" sz="2400" dirty="0"/>
           </a:p>
           <a:p>
             <a:endParaRPr lang="ko-KR" altLang="en-US" dirty="0"/>
@@ -6272,8 +6301,8 @@
         </p:nvSpPr>
         <p:spPr>
           <a:xfrm>
-            <a:off x="2598054" y="5123542"/>
-            <a:ext cx="6995886" cy="369332"/>
+            <a:off x="2344835" y="3775826"/>
+            <a:ext cx="6995886" cy="707886"/>
           </a:xfrm>
           <a:prstGeom prst="rect">
             <a:avLst/>
@@ -6291,24 +6320,44 @@
               <a:t>- </a:t>
             </a:r>
             <a:r>
-              <a:rPr lang="ko-KR" altLang="en-US" sz="1800" dirty="0" err="1"/>
-              <a:t>딥러닝에서는</a:t>
-            </a:r>
-            <a:r>
-              <a:rPr lang="ko-KR" altLang="en-US" sz="1800" dirty="0"/>
-              <a:t> 일반적으로 이것들을 </a:t>
-            </a:r>
-            <a:r>
-              <a:rPr lang="ko-KR" altLang="en-US" sz="1800" b="1" dirty="0">
-                <a:solidFill>
-                  <a:srgbClr val="FF0000"/>
-                </a:solidFill>
-              </a:rPr>
-              <a:t>최소화</a:t>
-            </a:r>
-            <a:r>
-              <a:rPr lang="ko-KR" altLang="en-US" sz="1800" dirty="0"/>
-              <a:t> 하는 것이 목적</a:t>
+              <a:rPr lang="ko-KR" altLang="en-US" sz="2000" dirty="0"/>
+              <a:t>차이점</a:t>
+            </a:r>
+            <a:r>
+              <a:rPr lang="en-US" altLang="ko-KR" sz="2000" dirty="0"/>
+              <a:t>: </a:t>
+            </a:r>
+            <a:r>
+              <a:rPr lang="ko-KR" altLang="en-US" sz="2000" dirty="0" err="1"/>
+              <a:t>뉴럴넷에서</a:t>
+            </a:r>
+            <a:r>
+              <a:rPr lang="ko-KR" altLang="en-US" sz="2000" dirty="0"/>
+              <a:t> 사용하는 </a:t>
+            </a:r>
+            <a:r>
+              <a:rPr lang="en-US" altLang="ko-KR" sz="2000" dirty="0"/>
+              <a:t>nonlinear function</a:t>
+            </a:r>
+            <a:r>
+              <a:rPr lang="ko-KR" altLang="en-US" sz="2000" dirty="0"/>
+              <a:t>들이 </a:t>
+            </a:r>
+            <a:r>
+              <a:rPr lang="en-US" altLang="ko-KR" sz="2000" dirty="0"/>
+              <a:t>loss function</a:t>
+            </a:r>
+            <a:r>
+              <a:rPr lang="ko-KR" altLang="en-US" sz="2000" dirty="0"/>
+              <a:t>을 </a:t>
+            </a:r>
+            <a:r>
+              <a:rPr lang="en-US" altLang="ko-KR" sz="2000" dirty="0"/>
+              <a:t>nonconvex</a:t>
+            </a:r>
+            <a:r>
+              <a:rPr lang="ko-KR" altLang="en-US" sz="2000" dirty="0"/>
+              <a:t>하게 만든다는 것</a:t>
             </a:r>
             <a:endParaRPr lang="en-US" altLang="ko-KR" sz="1800" dirty="0"/>
           </a:p>
@@ -6317,7 +6366,7 @@
     </p:spTree>
     <p:extLst>
       <p:ext uri="{BB962C8B-B14F-4D97-AF65-F5344CB8AC3E}">
-        <p14:creationId xmlns:p14="http://schemas.microsoft.com/office/powerpoint/2010/main" val="1387051461"/>
+        <p14:creationId xmlns:p14="http://schemas.microsoft.com/office/powerpoint/2010/main" val="2666625504"/>
       </p:ext>
     </p:extLst>
   </p:cSld>
@@ -6397,97 +6446,148 @@
         </p:nvSpPr>
         <p:spPr>
           <a:xfrm>
-            <a:off x="2169218" y="2009925"/>
-            <a:ext cx="8770571" cy="2504017"/>
+            <a:off x="2169218" y="2009926"/>
+            <a:ext cx="8770571" cy="980018"/>
           </a:xfrm>
         </p:spPr>
         <p:txBody>
-          <a:bodyPr>
-            <a:normAutofit/>
-          </a:bodyPr>
-          <a:lstStyle/>
-          <a:p>
-            <a:pPr>
-              <a:buFontTx/>
-              <a:buChar char="-"/>
-            </a:pPr>
-            <a:r>
-              <a:rPr lang="ko-KR" altLang="en-US" sz="2400" dirty="0" err="1"/>
-              <a:t>딥러닝도</a:t>
-            </a:r>
+          <a:bodyPr/>
+          <a:lstStyle/>
+          <a:p>
             <a:r>
               <a:rPr lang="ko-KR" altLang="en-US" sz="2400" dirty="0"/>
-              <a:t> 선형모델과 비슷하다</a:t>
+              <a:t>모든 </a:t>
             </a:r>
             <a:r>
               <a:rPr lang="en-US" altLang="ko-KR" sz="2400" dirty="0"/>
-              <a:t>.</a:t>
-            </a:r>
-          </a:p>
-          <a:p>
-            <a:pPr>
+              <a:t>data</a:t>
+            </a:r>
+            <a:r>
+              <a:rPr lang="ko-KR" altLang="en-US" sz="2400" dirty="0"/>
+              <a:t> </a:t>
+            </a:r>
+            <a:r>
+              <a:rPr lang="en-US" altLang="ko-KR" sz="2400" dirty="0"/>
+              <a:t>set</a:t>
+            </a:r>
+            <a:r>
+              <a:rPr lang="ko-KR" altLang="en-US" sz="2400" dirty="0"/>
+              <a:t>에 대해서 오차를 계산하는 함수</a:t>
+            </a:r>
+            <a:endParaRPr lang="en-US" altLang="ko-KR" sz="2400" dirty="0"/>
+          </a:p>
+          <a:p>
+            <a:pPr marL="342900" indent="-342900">
               <a:buFontTx/>
               <a:buChar char="-"/>
             </a:pPr>
             <a:endParaRPr lang="en-US" altLang="ko-KR" sz="2400" dirty="0"/>
           </a:p>
-          <a:p>
-            <a:pPr>
-              <a:buFontTx/>
-              <a:buChar char="-"/>
-            </a:pPr>
-            <a:r>
-              <a:rPr lang="ko-KR" altLang="en-US" sz="2400" dirty="0"/>
-              <a:t>뉴런들의 연결구조로 선형을 극복하는 장점도 있다</a:t>
-            </a:r>
-            <a:r>
-              <a:rPr lang="en-US" altLang="ko-KR" sz="2400" dirty="0"/>
-              <a:t>.</a:t>
-            </a:r>
-          </a:p>
-          <a:p>
-            <a:pPr>
-              <a:buFontTx/>
-              <a:buChar char="-"/>
-            </a:pPr>
-            <a:endParaRPr lang="en-US" altLang="ko-KR" sz="2400" dirty="0"/>
-          </a:p>
-          <a:p>
-            <a:pPr>
-              <a:buFontTx/>
-              <a:buChar char="-"/>
-            </a:pPr>
-            <a:r>
-              <a:rPr lang="ko-KR" altLang="en-US" sz="2400" dirty="0"/>
-              <a:t>대부분 </a:t>
-            </a:r>
-            <a:r>
-              <a:rPr lang="ko-KR" altLang="en-US" sz="2400" dirty="0" err="1"/>
-              <a:t>딥러닝엔</a:t>
-            </a:r>
-            <a:r>
-              <a:rPr lang="ko-KR" altLang="en-US" sz="2400" dirty="0"/>
-              <a:t> 요즘 </a:t>
-            </a:r>
-            <a:r>
-              <a:rPr lang="en-US" altLang="ko-KR" sz="2400" dirty="0"/>
-              <a:t>MLE</a:t>
-            </a:r>
-            <a:r>
-              <a:rPr lang="ko-KR" altLang="en-US" sz="2400" dirty="0"/>
-              <a:t>를 사용한다고 한다</a:t>
-            </a:r>
-            <a:r>
-              <a:rPr lang="en-US" altLang="ko-KR" sz="2400" dirty="0"/>
-              <a:t>.</a:t>
-            </a:r>
+        </p:txBody>
+      </p:sp>
+      <p:sp>
+        <p:nvSpPr>
+          <p:cNvPr id="9" name="TextBox 8">
+            <a:extLst>
+              <a:ext uri="{FF2B5EF4-FFF2-40B4-BE49-F238E27FC236}">
+                <a16:creationId xmlns:a16="http://schemas.microsoft.com/office/drawing/2014/main" id="{18A53538-7025-4C53-86AF-D9A692200002}"/>
+              </a:ext>
+            </a:extLst>
+          </p:cNvPr>
+          <p:cNvSpPr txBox="1"/>
+          <p:nvPr/>
+        </p:nvSpPr>
+        <p:spPr>
+          <a:xfrm>
+            <a:off x="3800539" y="3467947"/>
+            <a:ext cx="3926778" cy="800219"/>
+          </a:xfrm>
+          <a:prstGeom prst="rect">
+            <a:avLst/>
+          </a:prstGeom>
+          <a:noFill/>
+          <a:ln>
+            <a:solidFill>
+              <a:schemeClr val="tx1"/>
+            </a:solidFill>
+          </a:ln>
+        </p:spPr>
+        <p:txBody>
+          <a:bodyPr wrap="square" rtlCol="0">
+            <a:spAutoFit/>
+          </a:bodyPr>
+          <a:lstStyle/>
+          <a:p>
+            <a:r>
+              <a:rPr lang="en-US" altLang="ko-KR" sz="2800" dirty="0"/>
+              <a:t>Object &gt;= Cost &gt;= Loss</a:t>
+            </a:r>
+          </a:p>
+          <a:p>
+            <a:endParaRPr lang="ko-KR" altLang="en-US" dirty="0"/>
+          </a:p>
+        </p:txBody>
+      </p:sp>
+      <p:sp>
+        <p:nvSpPr>
+          <p:cNvPr id="17" name="TextBox 16">
+            <a:extLst>
+              <a:ext uri="{FF2B5EF4-FFF2-40B4-BE49-F238E27FC236}">
+                <a16:creationId xmlns:a16="http://schemas.microsoft.com/office/drawing/2014/main" id="{4FDA446E-4AB4-4B7B-B76E-BCF66A18B3B4}"/>
+              </a:ext>
+            </a:extLst>
+          </p:cNvPr>
+          <p:cNvSpPr txBox="1"/>
+          <p:nvPr/>
+        </p:nvSpPr>
+        <p:spPr>
+          <a:xfrm>
+            <a:off x="2598054" y="5123542"/>
+            <a:ext cx="6995886" cy="369332"/>
+          </a:xfrm>
+          <a:prstGeom prst="rect">
+            <a:avLst/>
+          </a:prstGeom>
+          <a:noFill/>
+        </p:spPr>
+        <p:txBody>
+          <a:bodyPr wrap="square" rtlCol="0">
+            <a:spAutoFit/>
+          </a:bodyPr>
+          <a:lstStyle/>
+          <a:p>
+            <a:r>
+              <a:rPr lang="en-US" altLang="ko-KR" sz="1800" dirty="0"/>
+              <a:t>- </a:t>
+            </a:r>
+            <a:r>
+              <a:rPr lang="ko-KR" altLang="en-US" sz="1800" dirty="0" err="1"/>
+              <a:t>딥러닝에서는</a:t>
+            </a:r>
+            <a:r>
+              <a:rPr lang="ko-KR" altLang="en-US" sz="1800" dirty="0"/>
+              <a:t> 일반적으로 이것들을 </a:t>
+            </a:r>
+            <a:r>
+              <a:rPr lang="ko-KR" altLang="en-US" sz="1800" b="1" dirty="0">
+                <a:solidFill>
+                  <a:srgbClr val="FF0000"/>
+                </a:solidFill>
+              </a:rPr>
+              <a:t>최소화</a:t>
+            </a:r>
+            <a:r>
+              <a:rPr lang="ko-KR" altLang="en-US" sz="1800" dirty="0"/>
+              <a:t> 하는 것이 목적</a:t>
+            </a:r>
+            <a:endParaRPr lang="en-US" altLang="ko-KR" sz="1800" dirty="0"/>
           </a:p>
         </p:txBody>
       </p:sp>
     </p:spTree>
     <p:extLst>
       <p:ext uri="{BB962C8B-B14F-4D97-AF65-F5344CB8AC3E}">
-        <p14:creationId xmlns:p14="http://schemas.microsoft.com/office/powerpoint/2010/main" val="892330072"/>
+        <p14:creationId xmlns:p14="http://schemas.microsoft.com/office/powerpoint/2010/main" val="1387051461"/>
       </p:ext>
     </p:extLst>
   </p:cSld>
@@ -6519,7 +6619,7 @@
           <p:cNvPr id="10" name="TextBox 9">
             <a:extLst>
               <a:ext uri="{FF2B5EF4-FFF2-40B4-BE49-F238E27FC236}">
-                <a16:creationId xmlns:a16="http://schemas.microsoft.com/office/drawing/2014/main" id="{7BFEDCF2-1E40-474A-BDD2-DC6522D357C1}"/>
+                <a16:creationId xmlns:a16="http://schemas.microsoft.com/office/drawing/2014/main" id="{7653C085-42B5-4047-8EAD-EF04F940EECA}"/>
               </a:ext>
             </a:extLst>
           </p:cNvPr>
@@ -6528,8 +6628,8 @@
         </p:nvSpPr>
         <p:spPr>
           <a:xfrm>
-            <a:off x="3200400" y="722120"/>
-            <a:ext cx="6172225" cy="584775"/>
+            <a:off x="4605422" y="667314"/>
+            <a:ext cx="2981151" cy="584775"/>
           </a:xfrm>
           <a:prstGeom prst="rect">
             <a:avLst/>
@@ -6544,22 +6644,122 @@
           <a:p>
             <a:r>
               <a:rPr lang="en-US" altLang="ko-KR" sz="3200" b="1" dirty="0"/>
-              <a:t>Gradient Based </a:t>
-            </a:r>
-            <a:r>
-              <a:rPr lang="ko-KR" altLang="en-US" sz="3200" b="1" dirty="0"/>
-              <a:t>알고리즘의 문제</a:t>
-            </a:r>
-            <a:endParaRPr lang="en-US" altLang="ko-KR" sz="3200" b="1" dirty="0"/>
-          </a:p>
-        </p:txBody>
-      </p:sp>
-      <p:sp>
-        <p:nvSpPr>
-          <p:cNvPr id="14" name="TextBox 13">
+              <a:t>Cost Function</a:t>
+            </a:r>
+          </a:p>
+        </p:txBody>
+      </p:sp>
+      <p:sp>
+        <p:nvSpPr>
+          <p:cNvPr id="14" name="내용 개체 틀 2">
             <a:extLst>
               <a:ext uri="{FF2B5EF4-FFF2-40B4-BE49-F238E27FC236}">
-                <a16:creationId xmlns:a16="http://schemas.microsoft.com/office/drawing/2014/main" id="{BAB408BF-4A15-43EB-B714-DA64E5133921}"/>
+                <a16:creationId xmlns:a16="http://schemas.microsoft.com/office/drawing/2014/main" id="{F4D2789E-68EE-48F7-985F-D0616F01A8D2}"/>
+              </a:ext>
+            </a:extLst>
+          </p:cNvPr>
+          <p:cNvSpPr>
+            <a:spLocks noGrp="1"/>
+          </p:cNvSpPr>
+          <p:nvPr>
+            <p:ph idx="1"/>
+          </p:nvPr>
+        </p:nvSpPr>
+        <p:spPr>
+          <a:xfrm>
+            <a:off x="2169218" y="2009925"/>
+            <a:ext cx="8770571" cy="2504017"/>
+          </a:xfrm>
+        </p:spPr>
+        <p:txBody>
+          <a:bodyPr>
+            <a:normAutofit/>
+          </a:bodyPr>
+          <a:lstStyle/>
+          <a:p>
+            <a:pPr>
+              <a:buFontTx/>
+              <a:buChar char="-"/>
+            </a:pPr>
+            <a:r>
+              <a:rPr lang="ko-KR" altLang="en-US" sz="2400" dirty="0" err="1"/>
+              <a:t>딥러닝도</a:t>
+            </a:r>
+            <a:r>
+              <a:rPr lang="ko-KR" altLang="en-US" sz="2400" dirty="0"/>
+              <a:t> 선형모델과 비슷하다</a:t>
+            </a:r>
+            <a:r>
+              <a:rPr lang="en-US" altLang="ko-KR" sz="2400" dirty="0"/>
+              <a:t>.</a:t>
+            </a:r>
+          </a:p>
+          <a:p>
+            <a:pPr>
+              <a:buFontTx/>
+              <a:buChar char="-"/>
+            </a:pPr>
+            <a:endParaRPr lang="en-US" altLang="ko-KR" sz="2400" dirty="0"/>
+          </a:p>
+          <a:p>
+            <a:pPr>
+              <a:buFontTx/>
+              <a:buChar char="-"/>
+            </a:pPr>
+            <a:r>
+              <a:rPr lang="ko-KR" altLang="en-US" sz="2400" dirty="0"/>
+              <a:t>뉴런들의 연결구조로 선형을 극복하는 장점도 있다</a:t>
+            </a:r>
+            <a:r>
+              <a:rPr lang="en-US" altLang="ko-KR" sz="2400" dirty="0"/>
+              <a:t>.</a:t>
+            </a:r>
+          </a:p>
+          <a:p>
+            <a:pPr>
+              <a:buFontTx/>
+              <a:buChar char="-"/>
+            </a:pPr>
+            <a:endParaRPr lang="en-US" altLang="ko-KR" sz="2400" dirty="0"/>
+          </a:p>
+          <a:p>
+            <a:pPr>
+              <a:buFontTx/>
+              <a:buChar char="-"/>
+            </a:pPr>
+            <a:r>
+              <a:rPr lang="ko-KR" altLang="en-US" sz="2400" dirty="0"/>
+              <a:t>대부분 </a:t>
+            </a:r>
+            <a:r>
+              <a:rPr lang="ko-KR" altLang="en-US" sz="2400" dirty="0" err="1"/>
+              <a:t>딥러닝엔</a:t>
+            </a:r>
+            <a:r>
+              <a:rPr lang="ko-KR" altLang="en-US" sz="2400" dirty="0"/>
+              <a:t> 요즘 </a:t>
+            </a:r>
+            <a:r>
+              <a:rPr lang="en-US" altLang="ko-KR" sz="2400" dirty="0"/>
+              <a:t>MLE</a:t>
+            </a:r>
+            <a:r>
+              <a:rPr lang="ko-KR" altLang="en-US" sz="2400" dirty="0"/>
+              <a:t>를 사용한다고 한다</a:t>
+            </a:r>
+            <a:r>
+              <a:rPr lang="en-US" altLang="ko-KR" sz="2400" dirty="0"/>
+              <a:t>.</a:t>
+            </a:r>
+          </a:p>
+        </p:txBody>
+      </p:sp>
+      <p:sp>
+        <p:nvSpPr>
+          <p:cNvPr id="2" name="TextBox 1">
+            <a:extLst>
+              <a:ext uri="{FF2B5EF4-FFF2-40B4-BE49-F238E27FC236}">
+                <a16:creationId xmlns:a16="http://schemas.microsoft.com/office/drawing/2014/main" id="{FAC6CF20-CBC1-4E1C-93C9-A94CD41AD307}"/>
               </a:ext>
             </a:extLst>
           </p:cNvPr>
@@ -6568,8 +6768,8 @@
         </p:nvSpPr>
         <p:spPr>
           <a:xfrm>
-            <a:off x="1116796" y="4001300"/>
-            <a:ext cx="4167208" cy="523220"/>
+            <a:off x="2757715" y="4952463"/>
+            <a:ext cx="4063999" cy="369332"/>
           </a:xfrm>
           <a:prstGeom prst="rect">
             <a:avLst/>
@@ -6583,74 +6783,30 @@
           <a:lstStyle/>
           <a:p>
             <a:r>
-              <a:rPr lang="en-US" altLang="ko-KR" sz="2800" b="1" dirty="0">
-                <a:solidFill>
-                  <a:srgbClr val="555555"/>
-                </a:solidFill>
-                <a:latin typeface="Lato"/>
-              </a:rPr>
-              <a:t>Chain structures</a:t>
-            </a:r>
-            <a:endParaRPr lang="en-US" altLang="ko-KR" sz="2800" b="1" dirty="0"/>
-          </a:p>
-        </p:txBody>
-      </p:sp>
-      <p:sp>
-        <p:nvSpPr>
-          <p:cNvPr id="16" name="TextBox 15">
+              <a:rPr lang="en-US" altLang="ko-KR" dirty="0"/>
+              <a:t>Training data</a:t>
+            </a:r>
+            <a:r>
+              <a:rPr lang="ko-KR" altLang="en-US" dirty="0"/>
+              <a:t>와 모델의 </a:t>
+            </a:r>
+            <a:r>
+              <a:rPr lang="ko-KR" altLang="en-US" dirty="0" err="1"/>
+              <a:t>출력간의</a:t>
+            </a:r>
+            <a:r>
+              <a:rPr lang="ko-KR" altLang="en-US" dirty="0"/>
+              <a:t> 차이</a:t>
+            </a:r>
+          </a:p>
+        </p:txBody>
+      </p:sp>
+      <p:pic>
+        <p:nvPicPr>
+          <p:cNvPr id="5" name="그림 4">
             <a:extLst>
               <a:ext uri="{FF2B5EF4-FFF2-40B4-BE49-F238E27FC236}">
-                <a16:creationId xmlns:a16="http://schemas.microsoft.com/office/drawing/2014/main" id="{35A99145-2DD7-402A-A6BB-5CE2C164BB3F}"/>
-              </a:ext>
-            </a:extLst>
-          </p:cNvPr>
-          <p:cNvSpPr txBox="1"/>
-          <p:nvPr/>
-        </p:nvSpPr>
-        <p:spPr>
-          <a:xfrm>
-            <a:off x="1116796" y="5101757"/>
-            <a:ext cx="10332034" cy="523220"/>
-          </a:xfrm>
-          <a:prstGeom prst="rect">
-            <a:avLst/>
-          </a:prstGeom>
-          <a:noFill/>
-        </p:spPr>
-        <p:txBody>
-          <a:bodyPr wrap="square" rtlCol="0">
-            <a:spAutoFit/>
-          </a:bodyPr>
-          <a:lstStyle/>
-          <a:p>
-            <a:r>
-              <a:rPr lang="ko-KR" altLang="en-US" sz="2800" b="1" dirty="0">
-                <a:solidFill>
-                  <a:srgbClr val="555555"/>
-                </a:solidFill>
-                <a:latin typeface="Lato"/>
-              </a:rPr>
-              <a:t>함수들의 레이어 개수 </a:t>
-            </a:r>
-            <a:r>
-              <a:rPr lang="en-US" altLang="ko-KR" sz="2800" b="1" dirty="0">
-                <a:solidFill>
-                  <a:srgbClr val="555555"/>
-                </a:solidFill>
-                <a:latin typeface="Lato"/>
-              </a:rPr>
-              <a:t>= dept                    Deep Learning                   </a:t>
-            </a:r>
-            <a:endParaRPr lang="en-US" altLang="ko-KR" sz="2800" b="1" dirty="0"/>
-          </a:p>
-        </p:txBody>
-      </p:sp>
-      <p:pic>
-        <p:nvPicPr>
-          <p:cNvPr id="18" name="그림 17">
-            <a:extLst>
-              <a:ext uri="{FF2B5EF4-FFF2-40B4-BE49-F238E27FC236}">
-                <a16:creationId xmlns:a16="http://schemas.microsoft.com/office/drawing/2014/main" id="{7DD73C87-8A6F-4F11-894F-56240CE6C8DD}"/>
+                <a16:creationId xmlns:a16="http://schemas.microsoft.com/office/drawing/2014/main" id="{B995F8B7-0E81-4102-B263-BFF662C7D662}"/>
               </a:ext>
             </a:extLst>
           </p:cNvPr>
@@ -6667,14 +6823,373 @@
         </p:blipFill>
         <p:spPr>
           <a:xfrm rot="12788224">
-            <a:off x="6265660" y="4770436"/>
-            <a:ext cx="1252538" cy="1185863"/>
+            <a:off x="4496812" y="5521054"/>
+            <a:ext cx="585803" cy="554620"/>
           </a:xfrm>
           <a:prstGeom prst="rect">
             <a:avLst/>
           </a:prstGeom>
         </p:spPr>
       </p:pic>
+      <p:sp>
+        <p:nvSpPr>
+          <p:cNvPr id="4" name="TextBox 3">
+            <a:extLst>
+              <a:ext uri="{FF2B5EF4-FFF2-40B4-BE49-F238E27FC236}">
+                <a16:creationId xmlns:a16="http://schemas.microsoft.com/office/drawing/2014/main" id="{B17354F9-99E5-4DD7-ACD2-6705DCD73DFC}"/>
+              </a:ext>
+            </a:extLst>
+          </p:cNvPr>
+          <p:cNvSpPr txBox="1"/>
+          <p:nvPr/>
+        </p:nvSpPr>
+        <p:spPr>
+          <a:xfrm>
+            <a:off x="5517718" y="5616045"/>
+            <a:ext cx="2975429" cy="369332"/>
+          </a:xfrm>
+          <a:prstGeom prst="rect">
+            <a:avLst/>
+          </a:prstGeom>
+          <a:noFill/>
+        </p:spPr>
+        <p:txBody>
+          <a:bodyPr wrap="square" rtlCol="0">
+            <a:spAutoFit/>
+          </a:bodyPr>
+          <a:lstStyle/>
+          <a:p>
+            <a:r>
+              <a:rPr lang="en-US" altLang="ko-KR" dirty="0"/>
+              <a:t>Cost function </a:t>
+            </a:r>
+            <a:r>
+              <a:rPr lang="ko-KR" altLang="en-US" dirty="0"/>
+              <a:t>사용</a:t>
+            </a:r>
+          </a:p>
+        </p:txBody>
+      </p:sp>
+    </p:spTree>
+    <p:extLst>
+      <p:ext uri="{BB962C8B-B14F-4D97-AF65-F5344CB8AC3E}">
+        <p14:creationId xmlns:p14="http://schemas.microsoft.com/office/powerpoint/2010/main" val="892330072"/>
+      </p:ext>
+    </p:extLst>
+  </p:cSld>
+  <p:clrMapOvr>
+    <a:masterClrMapping/>
+  </p:clrMapOvr>
+</p:sld>
+</file>
+
+<file path=ppt/slides/slide5.xml><?xml version="1.0" encoding="utf-8"?>
+<p:sld xmlns:a="http://schemas.openxmlformats.org/drawingml/2006/main" xmlns:r="http://schemas.openxmlformats.org/officeDocument/2006/relationships" xmlns:p="http://schemas.openxmlformats.org/presentationml/2006/main">
+  <p:cSld>
+    <p:spTree>
+      <p:nvGrpSpPr>
+        <p:cNvPr id="1" name=""/>
+        <p:cNvGrpSpPr/>
+        <p:nvPr/>
+      </p:nvGrpSpPr>
+      <p:grpSpPr>
+        <a:xfrm>
+          <a:off x="0" y="0"/>
+          <a:ext cx="0" cy="0"/>
+          <a:chOff x="0" y="0"/>
+          <a:chExt cx="0" cy="0"/>
+        </a:xfrm>
+      </p:grpSpPr>
+      <p:sp>
+        <p:nvSpPr>
+          <p:cNvPr id="10" name="TextBox 9">
+            <a:extLst>
+              <a:ext uri="{FF2B5EF4-FFF2-40B4-BE49-F238E27FC236}">
+                <a16:creationId xmlns:a16="http://schemas.microsoft.com/office/drawing/2014/main" id="{7653C085-42B5-4047-8EAD-EF04F940EECA}"/>
+              </a:ext>
+            </a:extLst>
+          </p:cNvPr>
+          <p:cNvSpPr txBox="1"/>
+          <p:nvPr/>
+        </p:nvSpPr>
+        <p:spPr>
+          <a:xfrm>
+            <a:off x="4605422" y="667314"/>
+            <a:ext cx="2981151" cy="584775"/>
+          </a:xfrm>
+          <a:prstGeom prst="rect">
+            <a:avLst/>
+          </a:prstGeom>
+          <a:noFill/>
+        </p:spPr>
+        <p:txBody>
+          <a:bodyPr wrap="square" rtlCol="0">
+            <a:spAutoFit/>
+          </a:bodyPr>
+          <a:lstStyle/>
+          <a:p>
+            <a:r>
+              <a:rPr lang="en-US" altLang="ko-KR" sz="3200" b="1" dirty="0"/>
+              <a:t>Cost Function</a:t>
+            </a:r>
+          </a:p>
+        </p:txBody>
+      </p:sp>
+      <p:sp>
+        <p:nvSpPr>
+          <p:cNvPr id="14" name="내용 개체 틀 2">
+            <a:extLst>
+              <a:ext uri="{FF2B5EF4-FFF2-40B4-BE49-F238E27FC236}">
+                <a16:creationId xmlns:a16="http://schemas.microsoft.com/office/drawing/2014/main" id="{F4D2789E-68EE-48F7-985F-D0616F01A8D2}"/>
+              </a:ext>
+            </a:extLst>
+          </p:cNvPr>
+          <p:cNvSpPr>
+            <a:spLocks noGrp="1"/>
+          </p:cNvSpPr>
+          <p:nvPr>
+            <p:ph idx="1"/>
+          </p:nvPr>
+        </p:nvSpPr>
+        <p:spPr>
+          <a:xfrm>
+            <a:off x="2169218" y="2009926"/>
+            <a:ext cx="9427696" cy="3636131"/>
+          </a:xfrm>
+        </p:spPr>
+        <p:txBody>
+          <a:bodyPr>
+            <a:normAutofit lnSpcReduction="10000"/>
+          </a:bodyPr>
+          <a:lstStyle/>
+          <a:p>
+            <a:pPr>
+              <a:buFontTx/>
+              <a:buChar char="-"/>
+            </a:pPr>
+            <a:r>
+              <a:rPr lang="ko-KR" altLang="en-US" sz="2400" dirty="0"/>
+              <a:t>최근 </a:t>
+            </a:r>
+            <a:r>
+              <a:rPr lang="ko-KR" altLang="en-US" sz="2400" dirty="0" err="1"/>
+              <a:t>뉴럴넷들은</a:t>
+            </a:r>
+            <a:r>
+              <a:rPr lang="ko-KR" altLang="en-US" sz="2400" dirty="0"/>
+              <a:t> </a:t>
+            </a:r>
+            <a:r>
+              <a:rPr lang="en-US" altLang="ko-KR" sz="2400" dirty="0"/>
+              <a:t>MLE</a:t>
+            </a:r>
+            <a:r>
+              <a:rPr lang="ko-KR" altLang="en-US" sz="2400" dirty="0"/>
+              <a:t>를 이용해 학습한다</a:t>
+            </a:r>
+            <a:r>
+              <a:rPr lang="en-US" altLang="ko-KR" sz="2400" dirty="0"/>
+              <a:t>.</a:t>
+            </a:r>
+          </a:p>
+          <a:p>
+            <a:pPr>
+              <a:buFontTx/>
+              <a:buChar char="-"/>
+            </a:pPr>
+            <a:endParaRPr lang="en-US" altLang="ko-KR" sz="2400" dirty="0"/>
+          </a:p>
+          <a:p>
+            <a:pPr>
+              <a:buFontTx/>
+              <a:buChar char="-"/>
+            </a:pPr>
+            <a:r>
+              <a:rPr lang="en-US" altLang="ko-KR" sz="2400" dirty="0"/>
+              <a:t>Cost function</a:t>
+            </a:r>
+            <a:r>
+              <a:rPr lang="ko-KR" altLang="en-US" sz="2400" dirty="0"/>
+              <a:t>은 간단히 </a:t>
+            </a:r>
+            <a:r>
+              <a:rPr lang="en-US" altLang="ko-KR" sz="2400" dirty="0"/>
+              <a:t>negative log likelihood</a:t>
+            </a:r>
+            <a:r>
+              <a:rPr lang="ko-KR" altLang="en-US" sz="2400" dirty="0"/>
+              <a:t>로 정의 된다</a:t>
+            </a:r>
+            <a:r>
+              <a:rPr lang="en-US" altLang="ko-KR" sz="2400" dirty="0"/>
+              <a:t>.</a:t>
+            </a:r>
+          </a:p>
+          <a:p>
+            <a:pPr>
+              <a:buFontTx/>
+              <a:buChar char="-"/>
+            </a:pPr>
+            <a:endParaRPr lang="en-US" altLang="ko-KR" sz="2400" dirty="0"/>
+          </a:p>
+          <a:p>
+            <a:pPr>
+              <a:buFontTx/>
+              <a:buChar char="-"/>
+            </a:pPr>
+            <a:endParaRPr lang="en-US" altLang="ko-KR" sz="2400" dirty="0"/>
+          </a:p>
+          <a:p>
+            <a:pPr>
+              <a:buFontTx/>
+              <a:buChar char="-"/>
+            </a:pPr>
+            <a:endParaRPr lang="en-US" altLang="ko-KR" sz="2400" dirty="0"/>
+          </a:p>
+          <a:p>
+            <a:pPr>
+              <a:buFontTx/>
+              <a:buChar char="-"/>
+            </a:pPr>
+            <a:endParaRPr lang="en-US" altLang="ko-KR" sz="2400" dirty="0"/>
+          </a:p>
+          <a:p>
+            <a:pPr>
+              <a:buFontTx/>
+              <a:buChar char="-"/>
+            </a:pPr>
+            <a:r>
+              <a:rPr lang="ko-KR" altLang="en-US" sz="2400" dirty="0"/>
+              <a:t>구체적인 형태는 </a:t>
+            </a:r>
+            <a:r>
+              <a:rPr lang="en-US" altLang="ko-KR" sz="2400" dirty="0" err="1"/>
+              <a:t>logpmodel</a:t>
+            </a:r>
+            <a:r>
+              <a:rPr lang="ko-KR" altLang="en-US" sz="2400" dirty="0"/>
+              <a:t>을 어떻게 </a:t>
+            </a:r>
+            <a:r>
+              <a:rPr lang="ko-KR" altLang="en-US" sz="2400" dirty="0" err="1"/>
+              <a:t>정하느냐에</a:t>
+            </a:r>
+            <a:r>
+              <a:rPr lang="ko-KR" altLang="en-US" sz="2400" dirty="0"/>
+              <a:t> 따라 다르다</a:t>
+            </a:r>
+            <a:r>
+              <a:rPr lang="en-US" altLang="ko-KR" sz="2400" dirty="0"/>
+              <a:t>.</a:t>
+            </a:r>
+          </a:p>
+        </p:txBody>
+      </p:sp>
+      <p:pic>
+        <p:nvPicPr>
+          <p:cNvPr id="6" name="그림 5">
+            <a:extLst>
+              <a:ext uri="{FF2B5EF4-FFF2-40B4-BE49-F238E27FC236}">
+                <a16:creationId xmlns:a16="http://schemas.microsoft.com/office/drawing/2014/main" id="{F2111C05-0936-46B3-A168-A2C22C229481}"/>
+              </a:ext>
+            </a:extLst>
+          </p:cNvPr>
+          <p:cNvPicPr>
+            <a:picLocks noChangeAspect="1"/>
+          </p:cNvPicPr>
+          <p:nvPr/>
+        </p:nvPicPr>
+        <p:blipFill>
+          <a:blip r:embed="rId2"/>
+          <a:stretch>
+            <a:fillRect/>
+          </a:stretch>
+        </p:blipFill>
+        <p:spPr>
+          <a:xfrm>
+            <a:off x="3549017" y="3915686"/>
+            <a:ext cx="4542421" cy="673591"/>
+          </a:xfrm>
+          <a:prstGeom prst="rect">
+            <a:avLst/>
+          </a:prstGeom>
+          <a:ln>
+            <a:solidFill>
+              <a:schemeClr val="tx1"/>
+            </a:solidFill>
+          </a:ln>
+        </p:spPr>
+      </p:pic>
+    </p:spTree>
+    <p:extLst>
+      <p:ext uri="{BB962C8B-B14F-4D97-AF65-F5344CB8AC3E}">
+        <p14:creationId xmlns:p14="http://schemas.microsoft.com/office/powerpoint/2010/main" val="295448717"/>
+      </p:ext>
+    </p:extLst>
+  </p:cSld>
+  <p:clrMapOvr>
+    <a:masterClrMapping/>
+  </p:clrMapOvr>
+</p:sld>
+</file>
+
+<file path=ppt/slides/slide6.xml><?xml version="1.0" encoding="utf-8"?>
+<p:sld xmlns:a="http://schemas.openxmlformats.org/drawingml/2006/main" xmlns:r="http://schemas.openxmlformats.org/officeDocument/2006/relationships" xmlns:p="http://schemas.openxmlformats.org/presentationml/2006/main">
+  <p:cSld>
+    <p:spTree>
+      <p:nvGrpSpPr>
+        <p:cNvPr id="1" name=""/>
+        <p:cNvGrpSpPr/>
+        <p:nvPr/>
+      </p:nvGrpSpPr>
+      <p:grpSpPr>
+        <a:xfrm>
+          <a:off x="0" y="0"/>
+          <a:ext cx="0" cy="0"/>
+          <a:chOff x="0" y="0"/>
+          <a:chExt cx="0" cy="0"/>
+        </a:xfrm>
+      </p:grpSpPr>
+      <p:sp>
+        <p:nvSpPr>
+          <p:cNvPr id="10" name="TextBox 9">
+            <a:extLst>
+              <a:ext uri="{FF2B5EF4-FFF2-40B4-BE49-F238E27FC236}">
+                <a16:creationId xmlns:a16="http://schemas.microsoft.com/office/drawing/2014/main" id="{7BFEDCF2-1E40-474A-BDD2-DC6522D357C1}"/>
+              </a:ext>
+            </a:extLst>
+          </p:cNvPr>
+          <p:cNvSpPr txBox="1"/>
+          <p:nvPr/>
+        </p:nvSpPr>
+        <p:spPr>
+          <a:xfrm>
+            <a:off x="3200400" y="722120"/>
+            <a:ext cx="6172225" cy="584775"/>
+          </a:xfrm>
+          <a:prstGeom prst="rect">
+            <a:avLst/>
+          </a:prstGeom>
+          <a:noFill/>
+        </p:spPr>
+        <p:txBody>
+          <a:bodyPr wrap="square" rtlCol="0">
+            <a:spAutoFit/>
+          </a:bodyPr>
+          <a:lstStyle/>
+          <a:p>
+            <a:r>
+              <a:rPr lang="en-US" altLang="ko-KR" sz="3200" b="1" dirty="0"/>
+              <a:t>Gradient Based </a:t>
+            </a:r>
+            <a:r>
+              <a:rPr lang="ko-KR" altLang="en-US" sz="3200" b="1" dirty="0"/>
+              <a:t>알고리즘의 문제</a:t>
+            </a:r>
+            <a:endParaRPr lang="en-US" altLang="ko-KR" sz="3200" b="1" dirty="0"/>
+          </a:p>
+        </p:txBody>
+      </p:sp>
       <p:sp>
         <p:nvSpPr>
           <p:cNvPr id="7" name="내용 개체 틀 2">
@@ -6710,6 +7225,199 @@
             <a:r>
               <a:rPr lang="en-US" altLang="ko-KR" sz="2400" dirty="0"/>
               <a:t>Gradient vanishing</a:t>
+            </a:r>
+          </a:p>
+        </p:txBody>
+      </p:sp>
+      <p:sp>
+        <p:nvSpPr>
+          <p:cNvPr id="2" name="TextBox 1">
+            <a:extLst>
+              <a:ext uri="{FF2B5EF4-FFF2-40B4-BE49-F238E27FC236}">
+                <a16:creationId xmlns:a16="http://schemas.microsoft.com/office/drawing/2014/main" id="{42FD83DF-F357-4EC8-9A5C-3985AA9F0178}"/>
+              </a:ext>
+            </a:extLst>
+          </p:cNvPr>
+          <p:cNvSpPr txBox="1"/>
+          <p:nvPr/>
+        </p:nvSpPr>
+        <p:spPr>
+          <a:xfrm>
+            <a:off x="3027531" y="3244334"/>
+            <a:ext cx="4180115" cy="369332"/>
+          </a:xfrm>
+          <a:prstGeom prst="rect">
+            <a:avLst/>
+          </a:prstGeom>
+          <a:noFill/>
+        </p:spPr>
+        <p:txBody>
+          <a:bodyPr wrap="square" rtlCol="0">
+            <a:spAutoFit/>
+          </a:bodyPr>
+          <a:lstStyle/>
+          <a:p>
+            <a:r>
+              <a:rPr lang="en-US" altLang="ko-KR" dirty="0"/>
+              <a:t>Saturate </a:t>
+            </a:r>
+            <a:r>
+              <a:rPr lang="ko-KR" altLang="en-US" dirty="0"/>
+              <a:t>될 수 있는 </a:t>
+            </a:r>
+            <a:r>
+              <a:rPr lang="en-US" altLang="ko-KR" dirty="0"/>
+              <a:t>function </a:t>
+            </a:r>
+            <a:r>
+              <a:rPr lang="ko-KR" altLang="en-US" dirty="0"/>
+              <a:t>사용</a:t>
+            </a:r>
+          </a:p>
+        </p:txBody>
+      </p:sp>
+      <p:pic>
+        <p:nvPicPr>
+          <p:cNvPr id="8" name="그림 7">
+            <a:extLst>
+              <a:ext uri="{FF2B5EF4-FFF2-40B4-BE49-F238E27FC236}">
+                <a16:creationId xmlns:a16="http://schemas.microsoft.com/office/drawing/2014/main" id="{B41A6D87-B5B0-41EE-AD80-1AC757485561}"/>
+              </a:ext>
+            </a:extLst>
+          </p:cNvPr>
+          <p:cNvPicPr>
+            <a:picLocks noChangeAspect="1"/>
+          </p:cNvPicPr>
+          <p:nvPr/>
+        </p:nvPicPr>
+        <p:blipFill>
+          <a:blip r:embed="rId2"/>
+          <a:stretch>
+            <a:fillRect/>
+          </a:stretch>
+        </p:blipFill>
+        <p:spPr>
+          <a:xfrm rot="12788224">
+            <a:off x="3408241" y="3693046"/>
+            <a:ext cx="585803" cy="554620"/>
+          </a:xfrm>
+          <a:prstGeom prst="rect">
+            <a:avLst/>
+          </a:prstGeom>
+        </p:spPr>
+      </p:pic>
+      <p:sp>
+        <p:nvSpPr>
+          <p:cNvPr id="3" name="TextBox 2">
+            <a:extLst>
+              <a:ext uri="{FF2B5EF4-FFF2-40B4-BE49-F238E27FC236}">
+                <a16:creationId xmlns:a16="http://schemas.microsoft.com/office/drawing/2014/main" id="{E5EF8275-DCA1-4FF4-85FA-D0F9FFC8F14A}"/>
+              </a:ext>
+            </a:extLst>
+          </p:cNvPr>
+          <p:cNvSpPr txBox="1"/>
+          <p:nvPr/>
+        </p:nvSpPr>
+        <p:spPr>
+          <a:xfrm>
+            <a:off x="4374754" y="3785690"/>
+            <a:ext cx="2374389" cy="369332"/>
+          </a:xfrm>
+          <a:prstGeom prst="rect">
+            <a:avLst/>
+          </a:prstGeom>
+          <a:noFill/>
+        </p:spPr>
+        <p:txBody>
+          <a:bodyPr wrap="square" rtlCol="0">
+            <a:spAutoFit/>
+          </a:bodyPr>
+          <a:lstStyle/>
+          <a:p>
+            <a:r>
+              <a:rPr lang="en-US" altLang="ko-KR" dirty="0"/>
+              <a:t>Gradient</a:t>
+            </a:r>
+            <a:r>
+              <a:rPr lang="ko-KR" altLang="en-US" dirty="0"/>
+              <a:t>가 </a:t>
+            </a:r>
+            <a:r>
+              <a:rPr lang="en-US" altLang="ko-KR" dirty="0"/>
+              <a:t>flat </a:t>
+            </a:r>
+            <a:r>
+              <a:rPr lang="ko-KR" altLang="en-US" dirty="0"/>
+              <a:t>해짐</a:t>
+            </a:r>
+          </a:p>
+        </p:txBody>
+      </p:sp>
+      <p:pic>
+        <p:nvPicPr>
+          <p:cNvPr id="11" name="그림 10">
+            <a:extLst>
+              <a:ext uri="{FF2B5EF4-FFF2-40B4-BE49-F238E27FC236}">
+                <a16:creationId xmlns:a16="http://schemas.microsoft.com/office/drawing/2014/main" id="{32891F19-A56E-41C3-888D-EBAE202FEE4B}"/>
+              </a:ext>
+            </a:extLst>
+          </p:cNvPr>
+          <p:cNvPicPr>
+            <a:picLocks noChangeAspect="1"/>
+          </p:cNvPicPr>
+          <p:nvPr/>
+        </p:nvPicPr>
+        <p:blipFill>
+          <a:blip r:embed="rId2"/>
+          <a:stretch>
+            <a:fillRect/>
+          </a:stretch>
+        </p:blipFill>
+        <p:spPr>
+          <a:xfrm rot="12788224">
+            <a:off x="3408242" y="4332029"/>
+            <a:ext cx="585803" cy="554620"/>
+          </a:xfrm>
+          <a:prstGeom prst="rect">
+            <a:avLst/>
+          </a:prstGeom>
+        </p:spPr>
+      </p:pic>
+      <p:sp>
+        <p:nvSpPr>
+          <p:cNvPr id="12" name="TextBox 11">
+            <a:extLst>
+              <a:ext uri="{FF2B5EF4-FFF2-40B4-BE49-F238E27FC236}">
+                <a16:creationId xmlns:a16="http://schemas.microsoft.com/office/drawing/2014/main" id="{2A896916-E551-42F8-86DB-2E7B72CF547E}"/>
+              </a:ext>
+            </a:extLst>
+          </p:cNvPr>
+          <p:cNvSpPr txBox="1"/>
+          <p:nvPr/>
+        </p:nvSpPr>
+        <p:spPr>
+          <a:xfrm>
+            <a:off x="4374753" y="4364468"/>
+            <a:ext cx="2954961" cy="369332"/>
+          </a:xfrm>
+          <a:prstGeom prst="rect">
+            <a:avLst/>
+          </a:prstGeom>
+          <a:noFill/>
+        </p:spPr>
+        <p:txBody>
+          <a:bodyPr wrap="square" rtlCol="0">
+            <a:spAutoFit/>
+          </a:bodyPr>
+          <a:lstStyle/>
+          <a:p>
+            <a:r>
+              <a:rPr lang="en-US" altLang="ko-KR" dirty="0"/>
+              <a:t>Gradient vanishing</a:t>
+            </a:r>
+            <a:r>
+              <a:rPr lang="ko-KR" altLang="en-US" dirty="0"/>
+              <a:t> 발생</a:t>
             </a:r>
           </a:p>
         </p:txBody>
@@ -6727,7 +7435,7 @@
 </p:sld>
 </file>
 
-<file path=ppt/slides/slide5.xml><?xml version="1.0" encoding="utf-8"?>
+<file path=ppt/slides/slide7.xml><?xml version="1.0" encoding="utf-8"?>
 <p:sld xmlns:a="http://schemas.openxmlformats.org/drawingml/2006/main" xmlns:r="http://schemas.openxmlformats.org/officeDocument/2006/relationships" xmlns:p="http://schemas.openxmlformats.org/presentationml/2006/main">
   <p:cSld>
     <p:spTree>
